--- a/docs/cna/CVE_Counting_Rules_Guidance.pptx
+++ b/docs/cna/CVE_Counting_Rules_Guidance.pptx
@@ -6954,7 +6954,7 @@
           <a:p>
             <a:fld id="{FD8C879B-2DAC-426D-B5B4-08F42B952A26}" type="datetimeFigureOut">
               <a:rPr lang="en-US" smtClean="0"/>
-              <a:t>3/4/2019</a:t>
+              <a:t>5/20/2019</a:t>
             </a:fld>
             <a:endParaRPr lang="en-US"/>
           </a:p>
@@ -7131,7 +7131,7 @@
           <a:p>
             <a:fld id="{92E54576-A3BB-48F9-891E-992E86D01A7B}" type="datetimeFigureOut">
               <a:rPr lang="en-US" smtClean="0"/>
-              <a:t>3/4/2019</a:t>
+              <a:t>5/20/2019</a:t>
             </a:fld>
             <a:endParaRPr lang="en-US"/>
           </a:p>
@@ -9357,8 +9357,8 @@
         </p:nvSpPr>
         <p:spPr bwMode="auto">
           <a:xfrm>
-            <a:off x="3229897" y="6327030"/>
-            <a:ext cx="8379332" cy="415498"/>
+            <a:off x="3440784" y="6327030"/>
+            <a:ext cx="8168445" cy="415498"/>
           </a:xfrm>
           <a:prstGeom prst="rect">
             <a:avLst/>
@@ -9382,72 +9382,100 @@
               <a:defRPr/>
             </a:pPr>
             <a:r>
-              <a:rPr lang="en-US" sz="1050" dirty="0">
+              <a:rPr lang="en-US" sz="1050" baseline="0" dirty="0">
                 <a:latin typeface="Helvetica LT Std"/>
               </a:rPr>
               <a:t>CVE is sponsored by </a:t>
             </a:r>
             <a:r>
-              <a:rPr lang="en-US" sz="1050" dirty="0">
+              <a:rPr lang="en-US" sz="1050" baseline="0" dirty="0">
+                <a:solidFill>
+                  <a:srgbClr val="000000"/>
+                </a:solidFill>
+                <a:effectLst/>
                 <a:latin typeface="Helvetica LT Std"/>
-                <a:hlinkClick r:id="rId3"/>
+                <a:ea typeface="Calibri" panose="020F0502020204030204" pitchFamily="34" charset="0"/>
+                <a:cs typeface="Times New Roman" panose="02020603050405020304" pitchFamily="18" charset="0"/>
               </a:rPr>
-              <a:t>NSD</a:t>
-            </a:r>
-            <a:r>
-              <a:rPr lang="en-US" sz="1050" dirty="0">
+              <a:t>the </a:t>
+            </a:r>
+            <a:r>
+              <a:rPr lang="en-US" sz="1050" u="sng" baseline="0" dirty="0">
+                <a:solidFill>
+                  <a:srgbClr val="4472C4"/>
+                </a:solidFill>
+                <a:effectLst/>
+                <a:latin typeface="Helvetica LT Std"/>
+                <a:ea typeface="Calibri" panose="020F0502020204030204" pitchFamily="34" charset="0"/>
+                <a:cs typeface="Times New Roman" panose="02020603050405020304" pitchFamily="18" charset="0"/>
+                <a:hlinkClick r:id="rId3">
+                  <a:extLst>
+                    <a:ext uri="{A12FA001-AC4F-418D-AE19-62706E023703}">
+                      <ahyp:hlinkClr xmlns:ahyp="http://schemas.microsoft.com/office/drawing/2018/hyperlinkcolor" val="tx"/>
+                    </a:ext>
+                  </a:extLst>
+                </a:hlinkClick>
+              </a:rPr>
+              <a:t>U.S. Department of Homeland Security</a:t>
+            </a:r>
+            <a:r>
+              <a:rPr lang="en-US" sz="1050" baseline="0" dirty="0">
+                <a:solidFill>
+                  <a:srgbClr val="000000"/>
+                </a:solidFill>
+                <a:effectLst/>
+                <a:latin typeface="Helvetica LT Std"/>
+                <a:ea typeface="Calibri" panose="020F0502020204030204" pitchFamily="34" charset="0"/>
+                <a:cs typeface="Times New Roman" panose="02020603050405020304" pitchFamily="18" charset="0"/>
+              </a:rPr>
+              <a:t> (DHS) </a:t>
+            </a:r>
+            <a:r>
+              <a:rPr lang="en-US" sz="1050" u="sng" baseline="0" dirty="0">
+                <a:solidFill>
+                  <a:srgbClr val="4472C4"/>
+                </a:solidFill>
+                <a:effectLst/>
+                <a:latin typeface="Helvetica LT Std"/>
+                <a:ea typeface="Calibri" panose="020F0502020204030204" pitchFamily="34" charset="0"/>
+                <a:cs typeface="Times New Roman" panose="02020603050405020304" pitchFamily="18" charset="0"/>
+                <a:hlinkClick r:id="rId4">
+                  <a:extLst>
+                    <a:ext uri="{A12FA001-AC4F-418D-AE19-62706E023703}">
+                      <ahyp:hlinkClr xmlns:ahyp="http://schemas.microsoft.com/office/drawing/2018/hyperlinkcolor" val="tx"/>
+                    </a:ext>
+                  </a:extLst>
+                </a:hlinkClick>
+              </a:rPr>
+              <a:t>Cybersecurity and Infrastructure Security Agency</a:t>
+            </a:r>
+            <a:r>
+              <a:rPr lang="en-US" sz="1050" baseline="0" dirty="0">
+                <a:solidFill>
+                  <a:srgbClr val="000000"/>
+                </a:solidFill>
+                <a:effectLst/>
+                <a:latin typeface="Helvetica LT Std"/>
+                <a:ea typeface="Calibri" panose="020F0502020204030204" pitchFamily="34" charset="0"/>
+                <a:cs typeface="Times New Roman" panose="02020603050405020304" pitchFamily="18" charset="0"/>
+              </a:rPr>
+              <a:t> (CISA)</a:t>
+            </a:r>
+            <a:r>
+              <a:rPr lang="en-US" sz="1050" baseline="0" dirty="0">
                 <a:latin typeface="Helvetica LT Std"/>
               </a:rPr>
-              <a:t>, </a:t>
-            </a:r>
-            <a:r>
-              <a:rPr lang="en-US" sz="1050" dirty="0">
-                <a:latin typeface="Helvetica LT Std"/>
-                <a:hlinkClick r:id="rId4"/>
-              </a:rPr>
-              <a:t>NCCIC</a:t>
-            </a:r>
-            <a:r>
-              <a:rPr lang="en-US" sz="1050" dirty="0">
-                <a:latin typeface="Helvetica LT Std"/>
-              </a:rPr>
-              <a:t> in </a:t>
-            </a:r>
-            <a:r>
-              <a:rPr lang="en-US" sz="1050" dirty="0">
+              <a:t>. Copyright © 1999–2019, </a:t>
+            </a:r>
+            <a:r>
+              <a:rPr lang="en-US" sz="1050" baseline="0" dirty="0">
                 <a:latin typeface="Helvetica LT Std"/>
                 <a:hlinkClick r:id="rId5"/>
               </a:rPr>
-              <a:t>CISA</a:t>
-            </a:r>
-            <a:r>
-              <a:rPr lang="en-US" sz="1050" dirty="0">
-                <a:latin typeface="Helvetica LT Std"/>
-              </a:rPr>
-              <a:t>’s Cybersecurity Division at the </a:t>
-            </a:r>
-            <a:r>
-              <a:rPr lang="en-US" sz="1050" dirty="0">
-                <a:latin typeface="Helvetica LT Std"/>
-                <a:hlinkClick r:id="rId6"/>
-              </a:rPr>
-              <a:t>U.S. Department of Homeland Security</a:t>
-            </a:r>
-            <a:r>
-              <a:rPr lang="en-US" sz="1050" dirty="0">
-                <a:latin typeface="Helvetica LT Std"/>
-              </a:rPr>
-              <a:t>. Copyright © 1999–2019, </a:t>
-            </a:r>
-            <a:r>
-              <a:rPr lang="en-US" sz="1050" dirty="0">
-                <a:latin typeface="Helvetica LT Std"/>
-                <a:hlinkClick r:id="rId7"/>
-              </a:rPr>
               <a:t>The MITRE Corporation</a:t>
             </a:r>
             <a:r>
-              <a:rPr lang="en-US" sz="1050" dirty="0">
+              <a:rPr lang="en-US" sz="1050" baseline="0" dirty="0">
                 <a:latin typeface="Helvetica LT Std"/>
               </a:rPr>
               <a:t>. CVE and the CVE logo are registered trademarks of The MITRE Corporation.</a:t>
@@ -9845,8 +9873,8 @@
         </p:nvSpPr>
         <p:spPr bwMode="auto">
           <a:xfrm>
-            <a:off x="3229897" y="6327030"/>
-            <a:ext cx="8379332" cy="415498"/>
+            <a:off x="3440783" y="6327030"/>
+            <a:ext cx="8168445" cy="415498"/>
           </a:xfrm>
           <a:prstGeom prst="rect">
             <a:avLst/>
@@ -9870,72 +9898,100 @@
               <a:defRPr/>
             </a:pPr>
             <a:r>
-              <a:rPr lang="en-US" sz="1050" dirty="0">
+              <a:rPr lang="en-US" sz="1050" baseline="0" dirty="0">
                 <a:latin typeface="Helvetica LT Std"/>
               </a:rPr>
               <a:t>CVE is sponsored by </a:t>
             </a:r>
             <a:r>
-              <a:rPr lang="en-US" sz="1050" dirty="0">
+              <a:rPr lang="en-US" sz="1050" baseline="0" dirty="0">
+                <a:solidFill>
+                  <a:srgbClr val="000000"/>
+                </a:solidFill>
+                <a:effectLst/>
                 <a:latin typeface="Helvetica LT Std"/>
-                <a:hlinkClick r:id="rId3"/>
+                <a:ea typeface="Calibri" panose="020F0502020204030204" pitchFamily="34" charset="0"/>
+                <a:cs typeface="Times New Roman" panose="02020603050405020304" pitchFamily="18" charset="0"/>
               </a:rPr>
-              <a:t>NSD</a:t>
-            </a:r>
-            <a:r>
-              <a:rPr lang="en-US" sz="1050" dirty="0">
+              <a:t>the </a:t>
+            </a:r>
+            <a:r>
+              <a:rPr lang="en-US" sz="1050" u="sng" baseline="0" dirty="0">
+                <a:solidFill>
+                  <a:srgbClr val="4472C4"/>
+                </a:solidFill>
+                <a:effectLst/>
+                <a:latin typeface="Helvetica LT Std"/>
+                <a:ea typeface="Calibri" panose="020F0502020204030204" pitchFamily="34" charset="0"/>
+                <a:cs typeface="Times New Roman" panose="02020603050405020304" pitchFamily="18" charset="0"/>
+                <a:hlinkClick r:id="rId3">
+                  <a:extLst>
+                    <a:ext uri="{A12FA001-AC4F-418D-AE19-62706E023703}">
+                      <ahyp:hlinkClr xmlns:ahyp="http://schemas.microsoft.com/office/drawing/2018/hyperlinkcolor" val="tx"/>
+                    </a:ext>
+                  </a:extLst>
+                </a:hlinkClick>
+              </a:rPr>
+              <a:t>U.S. Department of Homeland Security</a:t>
+            </a:r>
+            <a:r>
+              <a:rPr lang="en-US" sz="1050" baseline="0" dirty="0">
+                <a:solidFill>
+                  <a:srgbClr val="000000"/>
+                </a:solidFill>
+                <a:effectLst/>
+                <a:latin typeface="Helvetica LT Std"/>
+                <a:ea typeface="Calibri" panose="020F0502020204030204" pitchFamily="34" charset="0"/>
+                <a:cs typeface="Times New Roman" panose="02020603050405020304" pitchFamily="18" charset="0"/>
+              </a:rPr>
+              <a:t> (DHS) </a:t>
+            </a:r>
+            <a:r>
+              <a:rPr lang="en-US" sz="1050" u="sng" baseline="0" dirty="0">
+                <a:solidFill>
+                  <a:srgbClr val="4472C4"/>
+                </a:solidFill>
+                <a:effectLst/>
+                <a:latin typeface="Helvetica LT Std"/>
+                <a:ea typeface="Calibri" panose="020F0502020204030204" pitchFamily="34" charset="0"/>
+                <a:cs typeface="Times New Roman" panose="02020603050405020304" pitchFamily="18" charset="0"/>
+                <a:hlinkClick r:id="rId4">
+                  <a:extLst>
+                    <a:ext uri="{A12FA001-AC4F-418D-AE19-62706E023703}">
+                      <ahyp:hlinkClr xmlns:ahyp="http://schemas.microsoft.com/office/drawing/2018/hyperlinkcolor" val="tx"/>
+                    </a:ext>
+                  </a:extLst>
+                </a:hlinkClick>
+              </a:rPr>
+              <a:t>Cybersecurity and Infrastructure Security Agency</a:t>
+            </a:r>
+            <a:r>
+              <a:rPr lang="en-US" sz="1050" baseline="0" dirty="0">
+                <a:solidFill>
+                  <a:srgbClr val="000000"/>
+                </a:solidFill>
+                <a:effectLst/>
+                <a:latin typeface="Helvetica LT Std"/>
+                <a:ea typeface="Calibri" panose="020F0502020204030204" pitchFamily="34" charset="0"/>
+                <a:cs typeface="Times New Roman" panose="02020603050405020304" pitchFamily="18" charset="0"/>
+              </a:rPr>
+              <a:t> (CISA)</a:t>
+            </a:r>
+            <a:r>
+              <a:rPr lang="en-US" sz="1050" baseline="0" dirty="0">
                 <a:latin typeface="Helvetica LT Std"/>
               </a:rPr>
-              <a:t>, </a:t>
-            </a:r>
-            <a:r>
-              <a:rPr lang="en-US" sz="1050" dirty="0">
-                <a:latin typeface="Helvetica LT Std"/>
-                <a:hlinkClick r:id="rId4"/>
-              </a:rPr>
-              <a:t>NCCIC</a:t>
-            </a:r>
-            <a:r>
-              <a:rPr lang="en-US" sz="1050" dirty="0">
-                <a:latin typeface="Helvetica LT Std"/>
-              </a:rPr>
-              <a:t> in </a:t>
-            </a:r>
-            <a:r>
-              <a:rPr lang="en-US" sz="1050" dirty="0">
+              <a:t>. Copyright © 1999–2019, </a:t>
+            </a:r>
+            <a:r>
+              <a:rPr lang="en-US" sz="1050" baseline="0" dirty="0">
                 <a:latin typeface="Helvetica LT Std"/>
                 <a:hlinkClick r:id="rId5"/>
               </a:rPr>
-              <a:t>CISA</a:t>
-            </a:r>
-            <a:r>
-              <a:rPr lang="en-US" sz="1050" dirty="0">
-                <a:latin typeface="Helvetica LT Std"/>
-              </a:rPr>
-              <a:t>’s Cybersecurity Division at the </a:t>
-            </a:r>
-            <a:r>
-              <a:rPr lang="en-US" sz="1050" dirty="0">
-                <a:latin typeface="Helvetica LT Std"/>
-                <a:hlinkClick r:id="rId6"/>
-              </a:rPr>
-              <a:t>U.S. Department of Homeland Security</a:t>
-            </a:r>
-            <a:r>
-              <a:rPr lang="en-US" sz="1050" dirty="0">
-                <a:latin typeface="Helvetica LT Std"/>
-              </a:rPr>
-              <a:t>. Copyright © 1999–2019, </a:t>
-            </a:r>
-            <a:r>
-              <a:rPr lang="en-US" sz="1050" dirty="0">
-                <a:latin typeface="Helvetica LT Std"/>
-                <a:hlinkClick r:id="rId7"/>
-              </a:rPr>
               <a:t>The MITRE Corporation</a:t>
             </a:r>
             <a:r>
-              <a:rPr lang="en-US" sz="1050" dirty="0">
+              <a:rPr lang="en-US" sz="1050" baseline="0" dirty="0">
                 <a:latin typeface="Helvetica LT Std"/>
               </a:rPr>
               <a:t>. CVE and the CVE logo are registered trademarks of The MITRE Corporation.</a:t>
@@ -10548,8 +10604,8 @@
         </p:nvSpPr>
         <p:spPr bwMode="auto">
           <a:xfrm>
-            <a:off x="3229897" y="6327030"/>
-            <a:ext cx="8379332" cy="415498"/>
+            <a:off x="3384223" y="6327030"/>
+            <a:ext cx="8225006" cy="415498"/>
           </a:xfrm>
           <a:prstGeom prst="rect">
             <a:avLst/>
@@ -10573,72 +10629,100 @@
               <a:defRPr/>
             </a:pPr>
             <a:r>
-              <a:rPr lang="en-US" sz="1050" dirty="0">
+              <a:rPr lang="en-US" sz="1050" baseline="0" dirty="0">
                 <a:latin typeface="Helvetica LT Std"/>
               </a:rPr>
               <a:t>CVE is sponsored by </a:t>
             </a:r>
             <a:r>
-              <a:rPr lang="en-US" sz="1050" dirty="0">
+              <a:rPr lang="en-US" sz="1050" baseline="0" dirty="0">
+                <a:solidFill>
+                  <a:srgbClr val="000000"/>
+                </a:solidFill>
+                <a:effectLst/>
                 <a:latin typeface="Helvetica LT Std"/>
-                <a:hlinkClick r:id="rId3"/>
+                <a:ea typeface="Calibri" panose="020F0502020204030204" pitchFamily="34" charset="0"/>
+                <a:cs typeface="Times New Roman" panose="02020603050405020304" pitchFamily="18" charset="0"/>
               </a:rPr>
-              <a:t>NSD</a:t>
-            </a:r>
-            <a:r>
-              <a:rPr lang="en-US" sz="1050" dirty="0">
+              <a:t>the </a:t>
+            </a:r>
+            <a:r>
+              <a:rPr lang="en-US" sz="1050" u="sng" baseline="0" dirty="0">
+                <a:solidFill>
+                  <a:srgbClr val="4472C4"/>
+                </a:solidFill>
+                <a:effectLst/>
+                <a:latin typeface="Helvetica LT Std"/>
+                <a:ea typeface="Calibri" panose="020F0502020204030204" pitchFamily="34" charset="0"/>
+                <a:cs typeface="Times New Roman" panose="02020603050405020304" pitchFamily="18" charset="0"/>
+                <a:hlinkClick r:id="rId3">
+                  <a:extLst>
+                    <a:ext uri="{A12FA001-AC4F-418D-AE19-62706E023703}">
+                      <ahyp:hlinkClr xmlns:ahyp="http://schemas.microsoft.com/office/drawing/2018/hyperlinkcolor" val="tx"/>
+                    </a:ext>
+                  </a:extLst>
+                </a:hlinkClick>
+              </a:rPr>
+              <a:t>U.S. Department of Homeland Security</a:t>
+            </a:r>
+            <a:r>
+              <a:rPr lang="en-US" sz="1050" baseline="0" dirty="0">
+                <a:solidFill>
+                  <a:srgbClr val="000000"/>
+                </a:solidFill>
+                <a:effectLst/>
+                <a:latin typeface="Helvetica LT Std"/>
+                <a:ea typeface="Calibri" panose="020F0502020204030204" pitchFamily="34" charset="0"/>
+                <a:cs typeface="Times New Roman" panose="02020603050405020304" pitchFamily="18" charset="0"/>
+              </a:rPr>
+              <a:t> (DHS) </a:t>
+            </a:r>
+            <a:r>
+              <a:rPr lang="en-US" sz="1050" u="sng" baseline="0" dirty="0">
+                <a:solidFill>
+                  <a:srgbClr val="4472C4"/>
+                </a:solidFill>
+                <a:effectLst/>
+                <a:latin typeface="Helvetica LT Std"/>
+                <a:ea typeface="Calibri" panose="020F0502020204030204" pitchFamily="34" charset="0"/>
+                <a:cs typeface="Times New Roman" panose="02020603050405020304" pitchFamily="18" charset="0"/>
+                <a:hlinkClick r:id="rId4">
+                  <a:extLst>
+                    <a:ext uri="{A12FA001-AC4F-418D-AE19-62706E023703}">
+                      <ahyp:hlinkClr xmlns:ahyp="http://schemas.microsoft.com/office/drawing/2018/hyperlinkcolor" val="tx"/>
+                    </a:ext>
+                  </a:extLst>
+                </a:hlinkClick>
+              </a:rPr>
+              <a:t>Cybersecurity and Infrastructure Security Agency</a:t>
+            </a:r>
+            <a:r>
+              <a:rPr lang="en-US" sz="1050" baseline="0" dirty="0">
+                <a:solidFill>
+                  <a:srgbClr val="000000"/>
+                </a:solidFill>
+                <a:effectLst/>
+                <a:latin typeface="Helvetica LT Std"/>
+                <a:ea typeface="Calibri" panose="020F0502020204030204" pitchFamily="34" charset="0"/>
+                <a:cs typeface="Times New Roman" panose="02020603050405020304" pitchFamily="18" charset="0"/>
+              </a:rPr>
+              <a:t> (CISA)</a:t>
+            </a:r>
+            <a:r>
+              <a:rPr lang="en-US" sz="1050" baseline="0" dirty="0">
                 <a:latin typeface="Helvetica LT Std"/>
               </a:rPr>
-              <a:t>, </a:t>
-            </a:r>
-            <a:r>
-              <a:rPr lang="en-US" sz="1050" dirty="0">
-                <a:latin typeface="Helvetica LT Std"/>
-                <a:hlinkClick r:id="rId4"/>
-              </a:rPr>
-              <a:t>NCCIC</a:t>
-            </a:r>
-            <a:r>
-              <a:rPr lang="en-US" sz="1050" dirty="0">
-                <a:latin typeface="Helvetica LT Std"/>
-              </a:rPr>
-              <a:t> in </a:t>
-            </a:r>
-            <a:r>
-              <a:rPr lang="en-US" sz="1050" dirty="0">
+              <a:t>. Copyright © 1999–2019, </a:t>
+            </a:r>
+            <a:r>
+              <a:rPr lang="en-US" sz="1050" baseline="0" dirty="0">
                 <a:latin typeface="Helvetica LT Std"/>
                 <a:hlinkClick r:id="rId5"/>
               </a:rPr>
-              <a:t>CISA</a:t>
-            </a:r>
-            <a:r>
-              <a:rPr lang="en-US" sz="1050" dirty="0">
-                <a:latin typeface="Helvetica LT Std"/>
-              </a:rPr>
-              <a:t>’s Cybersecurity Division at the </a:t>
-            </a:r>
-            <a:r>
-              <a:rPr lang="en-US" sz="1050" dirty="0">
-                <a:latin typeface="Helvetica LT Std"/>
-                <a:hlinkClick r:id="rId6"/>
-              </a:rPr>
-              <a:t>U.S. Department of Homeland Security</a:t>
-            </a:r>
-            <a:r>
-              <a:rPr lang="en-US" sz="1050" dirty="0">
-                <a:latin typeface="Helvetica LT Std"/>
-              </a:rPr>
-              <a:t>. Copyright © 1999–2019, </a:t>
-            </a:r>
-            <a:r>
-              <a:rPr lang="en-US" sz="1050" dirty="0">
-                <a:latin typeface="Helvetica LT Std"/>
-                <a:hlinkClick r:id="rId7"/>
-              </a:rPr>
               <a:t>The MITRE Corporation</a:t>
             </a:r>
             <a:r>
-              <a:rPr lang="en-US" sz="1050" dirty="0">
+              <a:rPr lang="en-US" sz="1050" baseline="0" dirty="0">
                 <a:latin typeface="Helvetica LT Std"/>
               </a:rPr>
               <a:t>. CVE and the CVE logo are registered trademarks of The MITRE Corporation.</a:t>
@@ -11050,8 +11134,8 @@
         </p:nvSpPr>
         <p:spPr bwMode="auto">
           <a:xfrm>
-            <a:off x="3229897" y="6327030"/>
-            <a:ext cx="8379332" cy="415498"/>
+            <a:off x="3393649" y="6327030"/>
+            <a:ext cx="8215580" cy="415498"/>
           </a:xfrm>
           <a:prstGeom prst="rect">
             <a:avLst/>
@@ -11075,72 +11159,100 @@
               <a:defRPr/>
             </a:pPr>
             <a:r>
-              <a:rPr lang="en-US" sz="1050" dirty="0">
+              <a:rPr lang="en-US" sz="1050" baseline="0" dirty="0">
                 <a:latin typeface="Helvetica LT Std"/>
               </a:rPr>
               <a:t>CVE is sponsored by </a:t>
             </a:r>
             <a:r>
-              <a:rPr lang="en-US" sz="1050" dirty="0">
+              <a:rPr lang="en-US" sz="1050" baseline="0" dirty="0">
+                <a:solidFill>
+                  <a:srgbClr val="000000"/>
+                </a:solidFill>
+                <a:effectLst/>
                 <a:latin typeface="Helvetica LT Std"/>
-                <a:hlinkClick r:id="rId3"/>
+                <a:ea typeface="Calibri" panose="020F0502020204030204" pitchFamily="34" charset="0"/>
+                <a:cs typeface="Times New Roman" panose="02020603050405020304" pitchFamily="18" charset="0"/>
               </a:rPr>
-              <a:t>NSD</a:t>
-            </a:r>
-            <a:r>
-              <a:rPr lang="en-US" sz="1050" dirty="0">
+              <a:t>the </a:t>
+            </a:r>
+            <a:r>
+              <a:rPr lang="en-US" sz="1050" u="sng" baseline="0" dirty="0">
+                <a:solidFill>
+                  <a:srgbClr val="4472C4"/>
+                </a:solidFill>
+                <a:effectLst/>
+                <a:latin typeface="Helvetica LT Std"/>
+                <a:ea typeface="Calibri" panose="020F0502020204030204" pitchFamily="34" charset="0"/>
+                <a:cs typeface="Times New Roman" panose="02020603050405020304" pitchFamily="18" charset="0"/>
+                <a:hlinkClick r:id="rId3">
+                  <a:extLst>
+                    <a:ext uri="{A12FA001-AC4F-418D-AE19-62706E023703}">
+                      <ahyp:hlinkClr xmlns:ahyp="http://schemas.microsoft.com/office/drawing/2018/hyperlinkcolor" val="tx"/>
+                    </a:ext>
+                  </a:extLst>
+                </a:hlinkClick>
+              </a:rPr>
+              <a:t>U.S. Department of Homeland Security</a:t>
+            </a:r>
+            <a:r>
+              <a:rPr lang="en-US" sz="1050" baseline="0" dirty="0">
+                <a:solidFill>
+                  <a:srgbClr val="000000"/>
+                </a:solidFill>
+                <a:effectLst/>
+                <a:latin typeface="Helvetica LT Std"/>
+                <a:ea typeface="Calibri" panose="020F0502020204030204" pitchFamily="34" charset="0"/>
+                <a:cs typeface="Times New Roman" panose="02020603050405020304" pitchFamily="18" charset="0"/>
+              </a:rPr>
+              <a:t> (DHS) </a:t>
+            </a:r>
+            <a:r>
+              <a:rPr lang="en-US" sz="1050" u="sng" baseline="0" dirty="0">
+                <a:solidFill>
+                  <a:srgbClr val="4472C4"/>
+                </a:solidFill>
+                <a:effectLst/>
+                <a:latin typeface="Helvetica LT Std"/>
+                <a:ea typeface="Calibri" panose="020F0502020204030204" pitchFamily="34" charset="0"/>
+                <a:cs typeface="Times New Roman" panose="02020603050405020304" pitchFamily="18" charset="0"/>
+                <a:hlinkClick r:id="rId4">
+                  <a:extLst>
+                    <a:ext uri="{A12FA001-AC4F-418D-AE19-62706E023703}">
+                      <ahyp:hlinkClr xmlns:ahyp="http://schemas.microsoft.com/office/drawing/2018/hyperlinkcolor" val="tx"/>
+                    </a:ext>
+                  </a:extLst>
+                </a:hlinkClick>
+              </a:rPr>
+              <a:t>Cybersecurity and Infrastructure Security Agency</a:t>
+            </a:r>
+            <a:r>
+              <a:rPr lang="en-US" sz="1050" baseline="0" dirty="0">
+                <a:solidFill>
+                  <a:srgbClr val="000000"/>
+                </a:solidFill>
+                <a:effectLst/>
+                <a:latin typeface="Helvetica LT Std"/>
+                <a:ea typeface="Calibri" panose="020F0502020204030204" pitchFamily="34" charset="0"/>
+                <a:cs typeface="Times New Roman" panose="02020603050405020304" pitchFamily="18" charset="0"/>
+              </a:rPr>
+              <a:t> (CISA)</a:t>
+            </a:r>
+            <a:r>
+              <a:rPr lang="en-US" sz="1050" baseline="0" dirty="0">
                 <a:latin typeface="Helvetica LT Std"/>
               </a:rPr>
-              <a:t>, </a:t>
-            </a:r>
-            <a:r>
-              <a:rPr lang="en-US" sz="1050" dirty="0">
-                <a:latin typeface="Helvetica LT Std"/>
-                <a:hlinkClick r:id="rId4"/>
-              </a:rPr>
-              <a:t>NCCIC</a:t>
-            </a:r>
-            <a:r>
-              <a:rPr lang="en-US" sz="1050" dirty="0">
-                <a:latin typeface="Helvetica LT Std"/>
-              </a:rPr>
-              <a:t> in </a:t>
-            </a:r>
-            <a:r>
-              <a:rPr lang="en-US" sz="1050" dirty="0">
+              <a:t>. Copyright © 1999–2019, </a:t>
+            </a:r>
+            <a:r>
+              <a:rPr lang="en-US" sz="1050" baseline="0" dirty="0">
                 <a:latin typeface="Helvetica LT Std"/>
                 <a:hlinkClick r:id="rId5"/>
               </a:rPr>
-              <a:t>CISA</a:t>
-            </a:r>
-            <a:r>
-              <a:rPr lang="en-US" sz="1050" dirty="0">
-                <a:latin typeface="Helvetica LT Std"/>
-              </a:rPr>
-              <a:t>’s Cybersecurity Division at the </a:t>
-            </a:r>
-            <a:r>
-              <a:rPr lang="en-US" sz="1050" dirty="0">
-                <a:latin typeface="Helvetica LT Std"/>
-                <a:hlinkClick r:id="rId6"/>
-              </a:rPr>
-              <a:t>U.S. Department of Homeland Security</a:t>
-            </a:r>
-            <a:r>
-              <a:rPr lang="en-US" sz="1050" dirty="0">
-                <a:latin typeface="Helvetica LT Std"/>
-              </a:rPr>
-              <a:t>. Copyright © 1999–2019, </a:t>
-            </a:r>
-            <a:r>
-              <a:rPr lang="en-US" sz="1050" dirty="0">
-                <a:latin typeface="Helvetica LT Std"/>
-                <a:hlinkClick r:id="rId7"/>
-              </a:rPr>
               <a:t>The MITRE Corporation</a:t>
             </a:r>
             <a:r>
-              <a:rPr lang="en-US" sz="1050" dirty="0">
+              <a:rPr lang="en-US" sz="1050" baseline="0" dirty="0">
                 <a:latin typeface="Helvetica LT Std"/>
               </a:rPr>
               <a:t>. CVE and the CVE logo are registered trademarks of The MITRE Corporation.</a:t>
@@ -11314,8 +11426,8 @@
         </p:nvSpPr>
         <p:spPr bwMode="auto">
           <a:xfrm>
-            <a:off x="3229897" y="6327030"/>
-            <a:ext cx="8379332" cy="415498"/>
+            <a:off x="3299381" y="6327030"/>
+            <a:ext cx="8309848" cy="415498"/>
           </a:xfrm>
           <a:prstGeom prst="rect">
             <a:avLst/>
@@ -11339,72 +11451,100 @@
               <a:defRPr/>
             </a:pPr>
             <a:r>
-              <a:rPr lang="en-US" sz="1050" dirty="0">
+              <a:rPr lang="en-US" sz="1050" baseline="0" dirty="0">
                 <a:latin typeface="Helvetica LT Std"/>
               </a:rPr>
               <a:t>CVE is sponsored by </a:t>
             </a:r>
             <a:r>
-              <a:rPr lang="en-US" sz="1050" dirty="0">
+              <a:rPr lang="en-US" sz="1050" baseline="0" dirty="0">
+                <a:solidFill>
+                  <a:srgbClr val="000000"/>
+                </a:solidFill>
+                <a:effectLst/>
                 <a:latin typeface="Helvetica LT Std"/>
-                <a:hlinkClick r:id="rId3"/>
+                <a:ea typeface="Calibri" panose="020F0502020204030204" pitchFamily="34" charset="0"/>
+                <a:cs typeface="Times New Roman" panose="02020603050405020304" pitchFamily="18" charset="0"/>
               </a:rPr>
-              <a:t>NSD</a:t>
-            </a:r>
-            <a:r>
-              <a:rPr lang="en-US" sz="1050" dirty="0">
+              <a:t>the </a:t>
+            </a:r>
+            <a:r>
+              <a:rPr lang="en-US" sz="1050" u="sng" baseline="0" dirty="0">
+                <a:solidFill>
+                  <a:srgbClr val="4472C4"/>
+                </a:solidFill>
+                <a:effectLst/>
+                <a:latin typeface="Helvetica LT Std"/>
+                <a:ea typeface="Calibri" panose="020F0502020204030204" pitchFamily="34" charset="0"/>
+                <a:cs typeface="Times New Roman" panose="02020603050405020304" pitchFamily="18" charset="0"/>
+                <a:hlinkClick r:id="rId3">
+                  <a:extLst>
+                    <a:ext uri="{A12FA001-AC4F-418D-AE19-62706E023703}">
+                      <ahyp:hlinkClr xmlns:ahyp="http://schemas.microsoft.com/office/drawing/2018/hyperlinkcolor" val="tx"/>
+                    </a:ext>
+                  </a:extLst>
+                </a:hlinkClick>
+              </a:rPr>
+              <a:t>U.S. Department of Homeland Security</a:t>
+            </a:r>
+            <a:r>
+              <a:rPr lang="en-US" sz="1050" baseline="0" dirty="0">
+                <a:solidFill>
+                  <a:srgbClr val="000000"/>
+                </a:solidFill>
+                <a:effectLst/>
+                <a:latin typeface="Helvetica LT Std"/>
+                <a:ea typeface="Calibri" panose="020F0502020204030204" pitchFamily="34" charset="0"/>
+                <a:cs typeface="Times New Roman" panose="02020603050405020304" pitchFamily="18" charset="0"/>
+              </a:rPr>
+              <a:t> (DHS) </a:t>
+            </a:r>
+            <a:r>
+              <a:rPr lang="en-US" sz="1050" u="sng" baseline="0" dirty="0">
+                <a:solidFill>
+                  <a:srgbClr val="4472C4"/>
+                </a:solidFill>
+                <a:effectLst/>
+                <a:latin typeface="Helvetica LT Std"/>
+                <a:ea typeface="Calibri" panose="020F0502020204030204" pitchFamily="34" charset="0"/>
+                <a:cs typeface="Times New Roman" panose="02020603050405020304" pitchFamily="18" charset="0"/>
+                <a:hlinkClick r:id="rId4">
+                  <a:extLst>
+                    <a:ext uri="{A12FA001-AC4F-418D-AE19-62706E023703}">
+                      <ahyp:hlinkClr xmlns:ahyp="http://schemas.microsoft.com/office/drawing/2018/hyperlinkcolor" val="tx"/>
+                    </a:ext>
+                  </a:extLst>
+                </a:hlinkClick>
+              </a:rPr>
+              <a:t>Cybersecurity and Infrastructure Security Agency</a:t>
+            </a:r>
+            <a:r>
+              <a:rPr lang="en-US" sz="1050" baseline="0" dirty="0">
+                <a:solidFill>
+                  <a:srgbClr val="000000"/>
+                </a:solidFill>
+                <a:effectLst/>
+                <a:latin typeface="Helvetica LT Std"/>
+                <a:ea typeface="Calibri" panose="020F0502020204030204" pitchFamily="34" charset="0"/>
+                <a:cs typeface="Times New Roman" panose="02020603050405020304" pitchFamily="18" charset="0"/>
+              </a:rPr>
+              <a:t> (CISA)</a:t>
+            </a:r>
+            <a:r>
+              <a:rPr lang="en-US" sz="1050" baseline="0" dirty="0">
                 <a:latin typeface="Helvetica LT Std"/>
               </a:rPr>
-              <a:t>, </a:t>
-            </a:r>
-            <a:r>
-              <a:rPr lang="en-US" sz="1050" dirty="0">
-                <a:latin typeface="Helvetica LT Std"/>
-                <a:hlinkClick r:id="rId4"/>
-              </a:rPr>
-              <a:t>NCCIC</a:t>
-            </a:r>
-            <a:r>
-              <a:rPr lang="en-US" sz="1050" dirty="0">
-                <a:latin typeface="Helvetica LT Std"/>
-              </a:rPr>
-              <a:t> in </a:t>
-            </a:r>
-            <a:r>
-              <a:rPr lang="en-US" sz="1050" dirty="0">
+              <a:t>. Copyright © 1999–2019, </a:t>
+            </a:r>
+            <a:r>
+              <a:rPr lang="en-US" sz="1050" baseline="0" dirty="0">
                 <a:latin typeface="Helvetica LT Std"/>
                 <a:hlinkClick r:id="rId5"/>
               </a:rPr>
-              <a:t>CISA</a:t>
-            </a:r>
-            <a:r>
-              <a:rPr lang="en-US" sz="1050" dirty="0">
-                <a:latin typeface="Helvetica LT Std"/>
-              </a:rPr>
-              <a:t>’s Cybersecurity Division at the </a:t>
-            </a:r>
-            <a:r>
-              <a:rPr lang="en-US" sz="1050" dirty="0">
-                <a:latin typeface="Helvetica LT Std"/>
-                <a:hlinkClick r:id="rId6"/>
-              </a:rPr>
-              <a:t>U.S. Department of Homeland Security</a:t>
-            </a:r>
-            <a:r>
-              <a:rPr lang="en-US" sz="1050" dirty="0">
-                <a:latin typeface="Helvetica LT Std"/>
-              </a:rPr>
-              <a:t>. Copyright © 1999–2019, </a:t>
-            </a:r>
-            <a:r>
-              <a:rPr lang="en-US" sz="1050" dirty="0">
-                <a:latin typeface="Helvetica LT Std"/>
-                <a:hlinkClick r:id="rId7"/>
-              </a:rPr>
               <a:t>The MITRE Corporation</a:t>
             </a:r>
             <a:r>
-              <a:rPr lang="en-US" sz="1050" dirty="0">
+              <a:rPr lang="en-US" sz="1050" baseline="0" dirty="0">
                 <a:latin typeface="Helvetica LT Std"/>
               </a:rPr>
               <a:t>. CVE and the CVE logo are registered trademarks of The MITRE Corporation.</a:t>
@@ -11678,8 +11818,8 @@
         </p:nvSpPr>
         <p:spPr bwMode="auto">
           <a:xfrm>
-            <a:off x="3229897" y="6327030"/>
-            <a:ext cx="8379332" cy="415498"/>
+            <a:off x="3572759" y="6327030"/>
+            <a:ext cx="8036470" cy="415498"/>
           </a:xfrm>
           <a:prstGeom prst="rect">
             <a:avLst/>
@@ -11703,72 +11843,100 @@
               <a:defRPr/>
             </a:pPr>
             <a:r>
-              <a:rPr lang="en-US" sz="1050" dirty="0">
+              <a:rPr lang="en-US" sz="1050" baseline="0" dirty="0">
                 <a:latin typeface="Helvetica LT Std"/>
               </a:rPr>
               <a:t>CVE is sponsored by </a:t>
             </a:r>
             <a:r>
-              <a:rPr lang="en-US" sz="1050" dirty="0">
+              <a:rPr lang="en-US" sz="1050" baseline="0" dirty="0">
+                <a:solidFill>
+                  <a:srgbClr val="000000"/>
+                </a:solidFill>
+                <a:effectLst/>
                 <a:latin typeface="Helvetica LT Std"/>
-                <a:hlinkClick r:id="rId3"/>
+                <a:ea typeface="Calibri" panose="020F0502020204030204" pitchFamily="34" charset="0"/>
+                <a:cs typeface="Times New Roman" panose="02020603050405020304" pitchFamily="18" charset="0"/>
               </a:rPr>
-              <a:t>NSD</a:t>
-            </a:r>
-            <a:r>
-              <a:rPr lang="en-US" sz="1050" dirty="0">
+              <a:t>the </a:t>
+            </a:r>
+            <a:r>
+              <a:rPr lang="en-US" sz="1050" u="sng" baseline="0" dirty="0">
+                <a:solidFill>
+                  <a:srgbClr val="4472C4"/>
+                </a:solidFill>
+                <a:effectLst/>
+                <a:latin typeface="Helvetica LT Std"/>
+                <a:ea typeface="Calibri" panose="020F0502020204030204" pitchFamily="34" charset="0"/>
+                <a:cs typeface="Times New Roman" panose="02020603050405020304" pitchFamily="18" charset="0"/>
+                <a:hlinkClick r:id="rId3">
+                  <a:extLst>
+                    <a:ext uri="{A12FA001-AC4F-418D-AE19-62706E023703}">
+                      <ahyp:hlinkClr xmlns:ahyp="http://schemas.microsoft.com/office/drawing/2018/hyperlinkcolor" val="tx"/>
+                    </a:ext>
+                  </a:extLst>
+                </a:hlinkClick>
+              </a:rPr>
+              <a:t>U.S. Department of Homeland Security</a:t>
+            </a:r>
+            <a:r>
+              <a:rPr lang="en-US" sz="1050" baseline="0" dirty="0">
+                <a:solidFill>
+                  <a:srgbClr val="000000"/>
+                </a:solidFill>
+                <a:effectLst/>
+                <a:latin typeface="Helvetica LT Std"/>
+                <a:ea typeface="Calibri" panose="020F0502020204030204" pitchFamily="34" charset="0"/>
+                <a:cs typeface="Times New Roman" panose="02020603050405020304" pitchFamily="18" charset="0"/>
+              </a:rPr>
+              <a:t> (DHS) </a:t>
+            </a:r>
+            <a:r>
+              <a:rPr lang="en-US" sz="1050" u="sng" baseline="0" dirty="0">
+                <a:solidFill>
+                  <a:srgbClr val="4472C4"/>
+                </a:solidFill>
+                <a:effectLst/>
+                <a:latin typeface="Helvetica LT Std"/>
+                <a:ea typeface="Calibri" panose="020F0502020204030204" pitchFamily="34" charset="0"/>
+                <a:cs typeface="Times New Roman" panose="02020603050405020304" pitchFamily="18" charset="0"/>
+                <a:hlinkClick r:id="rId4">
+                  <a:extLst>
+                    <a:ext uri="{A12FA001-AC4F-418D-AE19-62706E023703}">
+                      <ahyp:hlinkClr xmlns:ahyp="http://schemas.microsoft.com/office/drawing/2018/hyperlinkcolor" val="tx"/>
+                    </a:ext>
+                  </a:extLst>
+                </a:hlinkClick>
+              </a:rPr>
+              <a:t>Cybersecurity and Infrastructure Security Agency</a:t>
+            </a:r>
+            <a:r>
+              <a:rPr lang="en-US" sz="1050" baseline="0" dirty="0">
+                <a:solidFill>
+                  <a:srgbClr val="000000"/>
+                </a:solidFill>
+                <a:effectLst/>
+                <a:latin typeface="Helvetica LT Std"/>
+                <a:ea typeface="Calibri" panose="020F0502020204030204" pitchFamily="34" charset="0"/>
+                <a:cs typeface="Times New Roman" panose="02020603050405020304" pitchFamily="18" charset="0"/>
+              </a:rPr>
+              <a:t> (CISA)</a:t>
+            </a:r>
+            <a:r>
+              <a:rPr lang="en-US" sz="1050" baseline="0" dirty="0">
                 <a:latin typeface="Helvetica LT Std"/>
               </a:rPr>
-              <a:t>, </a:t>
-            </a:r>
-            <a:r>
-              <a:rPr lang="en-US" sz="1050" dirty="0">
-                <a:latin typeface="Helvetica LT Std"/>
-                <a:hlinkClick r:id="rId4"/>
-              </a:rPr>
-              <a:t>NCCIC</a:t>
-            </a:r>
-            <a:r>
-              <a:rPr lang="en-US" sz="1050" dirty="0">
-                <a:latin typeface="Helvetica LT Std"/>
-              </a:rPr>
-              <a:t> in </a:t>
-            </a:r>
-            <a:r>
-              <a:rPr lang="en-US" sz="1050" dirty="0">
+              <a:t>. Copyright © 1999–2019, </a:t>
+            </a:r>
+            <a:r>
+              <a:rPr lang="en-US" sz="1050" baseline="0" dirty="0">
                 <a:latin typeface="Helvetica LT Std"/>
                 <a:hlinkClick r:id="rId5"/>
               </a:rPr>
-              <a:t>CISA</a:t>
-            </a:r>
-            <a:r>
-              <a:rPr lang="en-US" sz="1050" dirty="0">
-                <a:latin typeface="Helvetica LT Std"/>
-              </a:rPr>
-              <a:t>’s Cybersecurity Division at the </a:t>
-            </a:r>
-            <a:r>
-              <a:rPr lang="en-US" sz="1050" dirty="0">
-                <a:latin typeface="Helvetica LT Std"/>
-                <a:hlinkClick r:id="rId6"/>
-              </a:rPr>
-              <a:t>U.S. Department of Homeland Security</a:t>
-            </a:r>
-            <a:r>
-              <a:rPr lang="en-US" sz="1050" dirty="0">
-                <a:latin typeface="Helvetica LT Std"/>
-              </a:rPr>
-              <a:t>. Copyright © 1999–2019, </a:t>
-            </a:r>
-            <a:r>
-              <a:rPr lang="en-US" sz="1050" dirty="0">
-                <a:latin typeface="Helvetica LT Std"/>
-                <a:hlinkClick r:id="rId7"/>
-              </a:rPr>
               <a:t>The MITRE Corporation</a:t>
             </a:r>
             <a:r>
-              <a:rPr lang="en-US" sz="1050" dirty="0">
+              <a:rPr lang="en-US" sz="1050" baseline="0" dirty="0">
                 <a:latin typeface="Helvetica LT Std"/>
               </a:rPr>
               <a:t>. CVE and the CVE logo are registered trademarks of The MITRE Corporation.</a:t>
@@ -11942,8 +12110,8 @@
         </p:nvSpPr>
         <p:spPr bwMode="auto">
           <a:xfrm>
-            <a:off x="3229897" y="6327030"/>
-            <a:ext cx="8379332" cy="415498"/>
+            <a:off x="3355941" y="6327030"/>
+            <a:ext cx="8253287" cy="415498"/>
           </a:xfrm>
           <a:prstGeom prst="rect">
             <a:avLst/>
@@ -11967,72 +12135,100 @@
               <a:defRPr/>
             </a:pPr>
             <a:r>
-              <a:rPr lang="en-US" sz="1050" dirty="0">
+              <a:rPr lang="en-US" sz="1050" baseline="0" dirty="0">
                 <a:latin typeface="Helvetica LT Std"/>
               </a:rPr>
               <a:t>CVE is sponsored by </a:t>
             </a:r>
             <a:r>
-              <a:rPr lang="en-US" sz="1050" dirty="0">
+              <a:rPr lang="en-US" sz="1050" baseline="0" dirty="0">
+                <a:solidFill>
+                  <a:srgbClr val="000000"/>
+                </a:solidFill>
+                <a:effectLst/>
                 <a:latin typeface="Helvetica LT Std"/>
-                <a:hlinkClick r:id="rId3"/>
+                <a:ea typeface="Calibri" panose="020F0502020204030204" pitchFamily="34" charset="0"/>
+                <a:cs typeface="Times New Roman" panose="02020603050405020304" pitchFamily="18" charset="0"/>
               </a:rPr>
-              <a:t>NSD</a:t>
-            </a:r>
-            <a:r>
-              <a:rPr lang="en-US" sz="1050" dirty="0">
+              <a:t>the </a:t>
+            </a:r>
+            <a:r>
+              <a:rPr lang="en-US" sz="1050" u="sng" baseline="0" dirty="0">
+                <a:solidFill>
+                  <a:srgbClr val="4472C4"/>
+                </a:solidFill>
+                <a:effectLst/>
+                <a:latin typeface="Helvetica LT Std"/>
+                <a:ea typeface="Calibri" panose="020F0502020204030204" pitchFamily="34" charset="0"/>
+                <a:cs typeface="Times New Roman" panose="02020603050405020304" pitchFamily="18" charset="0"/>
+                <a:hlinkClick r:id="rId3">
+                  <a:extLst>
+                    <a:ext uri="{A12FA001-AC4F-418D-AE19-62706E023703}">
+                      <ahyp:hlinkClr xmlns:ahyp="http://schemas.microsoft.com/office/drawing/2018/hyperlinkcolor" val="tx"/>
+                    </a:ext>
+                  </a:extLst>
+                </a:hlinkClick>
+              </a:rPr>
+              <a:t>U.S. Department of Homeland Security</a:t>
+            </a:r>
+            <a:r>
+              <a:rPr lang="en-US" sz="1050" baseline="0" dirty="0">
+                <a:solidFill>
+                  <a:srgbClr val="000000"/>
+                </a:solidFill>
+                <a:effectLst/>
+                <a:latin typeface="Helvetica LT Std"/>
+                <a:ea typeface="Calibri" panose="020F0502020204030204" pitchFamily="34" charset="0"/>
+                <a:cs typeface="Times New Roman" panose="02020603050405020304" pitchFamily="18" charset="0"/>
+              </a:rPr>
+              <a:t> (DHS) </a:t>
+            </a:r>
+            <a:r>
+              <a:rPr lang="en-US" sz="1050" u="sng" baseline="0" dirty="0">
+                <a:solidFill>
+                  <a:srgbClr val="4472C4"/>
+                </a:solidFill>
+                <a:effectLst/>
+                <a:latin typeface="Helvetica LT Std"/>
+                <a:ea typeface="Calibri" panose="020F0502020204030204" pitchFamily="34" charset="0"/>
+                <a:cs typeface="Times New Roman" panose="02020603050405020304" pitchFamily="18" charset="0"/>
+                <a:hlinkClick r:id="rId4">
+                  <a:extLst>
+                    <a:ext uri="{A12FA001-AC4F-418D-AE19-62706E023703}">
+                      <ahyp:hlinkClr xmlns:ahyp="http://schemas.microsoft.com/office/drawing/2018/hyperlinkcolor" val="tx"/>
+                    </a:ext>
+                  </a:extLst>
+                </a:hlinkClick>
+              </a:rPr>
+              <a:t>Cybersecurity and Infrastructure Security Agency</a:t>
+            </a:r>
+            <a:r>
+              <a:rPr lang="en-US" sz="1050" baseline="0" dirty="0">
+                <a:solidFill>
+                  <a:srgbClr val="000000"/>
+                </a:solidFill>
+                <a:effectLst/>
+                <a:latin typeface="Helvetica LT Std"/>
+                <a:ea typeface="Calibri" panose="020F0502020204030204" pitchFamily="34" charset="0"/>
+                <a:cs typeface="Times New Roman" panose="02020603050405020304" pitchFamily="18" charset="0"/>
+              </a:rPr>
+              <a:t> (CISA)</a:t>
+            </a:r>
+            <a:r>
+              <a:rPr lang="en-US" sz="1050" baseline="0" dirty="0">
                 <a:latin typeface="Helvetica LT Std"/>
               </a:rPr>
-              <a:t>, </a:t>
-            </a:r>
-            <a:r>
-              <a:rPr lang="en-US" sz="1050" dirty="0">
-                <a:latin typeface="Helvetica LT Std"/>
-                <a:hlinkClick r:id="rId4"/>
-              </a:rPr>
-              <a:t>NCCIC</a:t>
-            </a:r>
-            <a:r>
-              <a:rPr lang="en-US" sz="1050" dirty="0">
-                <a:latin typeface="Helvetica LT Std"/>
-              </a:rPr>
-              <a:t> in </a:t>
-            </a:r>
-            <a:r>
-              <a:rPr lang="en-US" sz="1050" dirty="0">
+              <a:t>. Copyright © 1999–2019, </a:t>
+            </a:r>
+            <a:r>
+              <a:rPr lang="en-US" sz="1050" baseline="0" dirty="0">
                 <a:latin typeface="Helvetica LT Std"/>
                 <a:hlinkClick r:id="rId5"/>
               </a:rPr>
-              <a:t>CISA</a:t>
-            </a:r>
-            <a:r>
-              <a:rPr lang="en-US" sz="1050" dirty="0">
-                <a:latin typeface="Helvetica LT Std"/>
-              </a:rPr>
-              <a:t>’s Cybersecurity Division at the </a:t>
-            </a:r>
-            <a:r>
-              <a:rPr lang="en-US" sz="1050" dirty="0">
-                <a:latin typeface="Helvetica LT Std"/>
-                <a:hlinkClick r:id="rId6"/>
-              </a:rPr>
-              <a:t>U.S. Department of Homeland Security</a:t>
-            </a:r>
-            <a:r>
-              <a:rPr lang="en-US" sz="1050" dirty="0">
-                <a:latin typeface="Helvetica LT Std"/>
-              </a:rPr>
-              <a:t>. Copyright © 1999–2019, </a:t>
-            </a:r>
-            <a:r>
-              <a:rPr lang="en-US" sz="1050" dirty="0">
-                <a:latin typeface="Helvetica LT Std"/>
-                <a:hlinkClick r:id="rId7"/>
-              </a:rPr>
               <a:t>The MITRE Corporation</a:t>
             </a:r>
             <a:r>
-              <a:rPr lang="en-US" sz="1050" dirty="0">
+              <a:rPr lang="en-US" sz="1050" baseline="0" dirty="0">
                 <a:latin typeface="Helvetica LT Std"/>
               </a:rPr>
               <a:t>. CVE and the CVE logo are registered trademarks of The MITRE Corporation.</a:t>
@@ -12878,8 +13074,8 @@
         </p:nvSpPr>
         <p:spPr bwMode="auto">
           <a:xfrm>
-            <a:off x="3229897" y="6327030"/>
-            <a:ext cx="8379332" cy="415498"/>
+            <a:off x="3421929" y="6327030"/>
+            <a:ext cx="8187299" cy="415498"/>
           </a:xfrm>
           <a:prstGeom prst="rect">
             <a:avLst/>
@@ -12903,72 +13099,100 @@
               <a:defRPr/>
             </a:pPr>
             <a:r>
-              <a:rPr lang="en-US" sz="1050" dirty="0">
+              <a:rPr lang="en-US" sz="1050" baseline="0" dirty="0">
                 <a:latin typeface="Helvetica LT Std"/>
               </a:rPr>
               <a:t>CVE is sponsored by </a:t>
             </a:r>
             <a:r>
-              <a:rPr lang="en-US" sz="1050" dirty="0">
+              <a:rPr lang="en-US" sz="1050" baseline="0" dirty="0">
+                <a:solidFill>
+                  <a:srgbClr val="000000"/>
+                </a:solidFill>
+                <a:effectLst/>
                 <a:latin typeface="Helvetica LT Std"/>
-                <a:hlinkClick r:id="rId3"/>
+                <a:ea typeface="Calibri" panose="020F0502020204030204" pitchFamily="34" charset="0"/>
+                <a:cs typeface="Times New Roman" panose="02020603050405020304" pitchFamily="18" charset="0"/>
               </a:rPr>
-              <a:t>NSD</a:t>
-            </a:r>
-            <a:r>
-              <a:rPr lang="en-US" sz="1050" dirty="0">
+              <a:t>the </a:t>
+            </a:r>
+            <a:r>
+              <a:rPr lang="en-US" sz="1050" u="sng" baseline="0" dirty="0">
+                <a:solidFill>
+                  <a:srgbClr val="4472C4"/>
+                </a:solidFill>
+                <a:effectLst/>
+                <a:latin typeface="Helvetica LT Std"/>
+                <a:ea typeface="Calibri" panose="020F0502020204030204" pitchFamily="34" charset="0"/>
+                <a:cs typeface="Times New Roman" panose="02020603050405020304" pitchFamily="18" charset="0"/>
+                <a:hlinkClick r:id="rId3">
+                  <a:extLst>
+                    <a:ext uri="{A12FA001-AC4F-418D-AE19-62706E023703}">
+                      <ahyp:hlinkClr xmlns:ahyp="http://schemas.microsoft.com/office/drawing/2018/hyperlinkcolor" val="tx"/>
+                    </a:ext>
+                  </a:extLst>
+                </a:hlinkClick>
+              </a:rPr>
+              <a:t>U.S. Department of Homeland Security</a:t>
+            </a:r>
+            <a:r>
+              <a:rPr lang="en-US" sz="1050" baseline="0" dirty="0">
+                <a:solidFill>
+                  <a:srgbClr val="000000"/>
+                </a:solidFill>
+                <a:effectLst/>
+                <a:latin typeface="Helvetica LT Std"/>
+                <a:ea typeface="Calibri" panose="020F0502020204030204" pitchFamily="34" charset="0"/>
+                <a:cs typeface="Times New Roman" panose="02020603050405020304" pitchFamily="18" charset="0"/>
+              </a:rPr>
+              <a:t> (DHS) </a:t>
+            </a:r>
+            <a:r>
+              <a:rPr lang="en-US" sz="1050" u="sng" baseline="0" dirty="0">
+                <a:solidFill>
+                  <a:srgbClr val="4472C4"/>
+                </a:solidFill>
+                <a:effectLst/>
+                <a:latin typeface="Helvetica LT Std"/>
+                <a:ea typeface="Calibri" panose="020F0502020204030204" pitchFamily="34" charset="0"/>
+                <a:cs typeface="Times New Roman" panose="02020603050405020304" pitchFamily="18" charset="0"/>
+                <a:hlinkClick r:id="rId4">
+                  <a:extLst>
+                    <a:ext uri="{A12FA001-AC4F-418D-AE19-62706E023703}">
+                      <ahyp:hlinkClr xmlns:ahyp="http://schemas.microsoft.com/office/drawing/2018/hyperlinkcolor" val="tx"/>
+                    </a:ext>
+                  </a:extLst>
+                </a:hlinkClick>
+              </a:rPr>
+              <a:t>Cybersecurity and Infrastructure Security Agency</a:t>
+            </a:r>
+            <a:r>
+              <a:rPr lang="en-US" sz="1050" baseline="0" dirty="0">
+                <a:solidFill>
+                  <a:srgbClr val="000000"/>
+                </a:solidFill>
+                <a:effectLst/>
+                <a:latin typeface="Helvetica LT Std"/>
+                <a:ea typeface="Calibri" panose="020F0502020204030204" pitchFamily="34" charset="0"/>
+                <a:cs typeface="Times New Roman" panose="02020603050405020304" pitchFamily="18" charset="0"/>
+              </a:rPr>
+              <a:t> (CISA)</a:t>
+            </a:r>
+            <a:r>
+              <a:rPr lang="en-US" sz="1050" baseline="0" dirty="0">
                 <a:latin typeface="Helvetica LT Std"/>
               </a:rPr>
-              <a:t>, </a:t>
-            </a:r>
-            <a:r>
-              <a:rPr lang="en-US" sz="1050" dirty="0">
-                <a:latin typeface="Helvetica LT Std"/>
-                <a:hlinkClick r:id="rId4"/>
-              </a:rPr>
-              <a:t>NCCIC</a:t>
-            </a:r>
-            <a:r>
-              <a:rPr lang="en-US" sz="1050" dirty="0">
-                <a:latin typeface="Helvetica LT Std"/>
-              </a:rPr>
-              <a:t> in </a:t>
-            </a:r>
-            <a:r>
-              <a:rPr lang="en-US" sz="1050" dirty="0">
+              <a:t>. Copyright © 1999–2019, </a:t>
+            </a:r>
+            <a:r>
+              <a:rPr lang="en-US" sz="1050" baseline="0" dirty="0">
                 <a:latin typeface="Helvetica LT Std"/>
                 <a:hlinkClick r:id="rId5"/>
               </a:rPr>
-              <a:t>CISA</a:t>
-            </a:r>
-            <a:r>
-              <a:rPr lang="en-US" sz="1050" dirty="0">
-                <a:latin typeface="Helvetica LT Std"/>
-              </a:rPr>
-              <a:t>’s Cybersecurity Division at the </a:t>
-            </a:r>
-            <a:r>
-              <a:rPr lang="en-US" sz="1050" dirty="0">
-                <a:latin typeface="Helvetica LT Std"/>
-                <a:hlinkClick r:id="rId6"/>
-              </a:rPr>
-              <a:t>U.S. Department of Homeland Security</a:t>
-            </a:r>
-            <a:r>
-              <a:rPr lang="en-US" sz="1050" dirty="0">
-                <a:latin typeface="Helvetica LT Std"/>
-              </a:rPr>
-              <a:t>. Copyright © 1999–2019, </a:t>
-            </a:r>
-            <a:r>
-              <a:rPr lang="en-US" sz="1050" dirty="0">
-                <a:latin typeface="Helvetica LT Std"/>
-                <a:hlinkClick r:id="rId7"/>
-              </a:rPr>
               <a:t>The MITRE Corporation</a:t>
             </a:r>
             <a:r>
-              <a:rPr lang="en-US" sz="1050" dirty="0">
+              <a:rPr lang="en-US" sz="1050" baseline="0" dirty="0">
                 <a:latin typeface="Helvetica LT Std"/>
               </a:rPr>
               <a:t>. CVE and the CVE logo are registered trademarks of The MITRE Corporation.</a:t>
@@ -37106,6 +37330,42 @@
 </file>
 
 <file path=customXml/item1.xml><?xml version="1.0" encoding="utf-8"?>
+<p:properties xmlns:p="http://schemas.microsoft.com/office/2006/metadata/properties" xmlns:xsi="http://www.w3.org/2001/XMLSchema-instance" xmlns:pc="http://schemas.microsoft.com/office/infopath/2007/PartnerControls">
+  <documentManagement>
+    <MITRE_x0020_Sensitivity xmlns="http://schemas.microsoft.com/sharepoint/v3">Internal MITRE Information</MITRE_x0020_Sensitivity>
+    <SortOrder xmlns="45d44e74-5c87-4253-a1a6-fb7a2a9835a8">5</SortOrder>
+    <_Contributor xmlns="http://schemas.microsoft.com/sharepoint/v3/fields" xsi:nil="true"/>
+    <Release_x0020_Statement xmlns="http://schemas.microsoft.com/sharepoint/v3">For Internal MITRE Use</Release_x0020_Statement>
+    <Site_x0020_Page xmlns="45d44e74-5c87-4253-a1a6-fb7a2a9835a8">
+      <Value>47</Value>
+    </Site_x0020_Page>
+    <Date xmlns="45d44e74-5c87-4253-a1a6-fb7a2a9835a8" xsi:nil="true"/>
+    <IconOverlay xmlns="http://schemas.microsoft.com/sharepoint/v4" xsi:nil="true"/>
+    <DocType xmlns="45d44e74-5c87-4253-a1a6-fb7a2a9835a8">Template</DocType>
+  </documentManagement>
+</p:properties>
+</file>
+
+<file path=customXml/item2.xml><?xml version="1.0" encoding="utf-8"?>
+<?mso-contentType ?>
+<FormTemplates xmlns="http://schemas.microsoft.com/sharepoint/v3/contenttype/forms">
+  <Display>DocumentLibraryForm</Display>
+  <Edit>DocumentLibraryForm</Edit>
+  <New>DocumentLibraryForm</New>
+</FormTemplates>
+</file>
+
+<file path=customXml/item3.xml><?xml version="1.0" encoding="utf-8"?>
+<?mso-contentType ?>
+<customXsn xmlns="http://schemas.microsoft.com/office/2006/metadata/customXsn">
+  <xsnLocation/>
+  <cached>True</cached>
+  <openByDefault>True</openByDefault>
+  <xsnScope/>
+</customXsn>
+</file>
+
+<file path=customXml/item4.xml><?xml version="1.0" encoding="utf-8"?>
 <ct:contentTypeSchema xmlns:ct="http://schemas.microsoft.com/office/2006/metadata/contentType" xmlns:ma="http://schemas.microsoft.com/office/2006/metadata/properties/metaAttributes" ct:_="" ma:_="" ma:contentTypeName="MITRE Work" ma:contentTypeID="0x0101001EAE5F8AE92E0443B0635AEF5BFC9F76004C6CC03BF5DC804FBBC33E4E55C06EE9" ma:contentTypeVersion="6" ma:contentTypeDescription="Materials and documents that contain MITRE authored content and other content directly attributable to MITRE and its work" ma:contentTypeScope="" ma:versionID="4ad27c3cbde4a5e69cf872f973dbc972">
   <xsd:schema xmlns:xsd="http://www.w3.org/2001/XMLSchema" xmlns:xs="http://www.w3.org/2001/XMLSchema" xmlns:p="http://schemas.microsoft.com/office/2006/metadata/properties" xmlns:ns1="http://schemas.microsoft.com/sharepoint/v3" xmlns:ns2="http://schemas.microsoft.com/sharepoint/v3/fields" xmlns:ns3="45d44e74-5c87-4253-a1a6-fb7a2a9835a8" xmlns:ns4="http://schemas.microsoft.com/sharepoint/v4" xmlns:ns5="d6dad062-3ecc-4c2a-98eb-3d03c2389ab6" targetNamespace="http://schemas.microsoft.com/office/2006/metadata/properties" ma:root="true" ma:fieldsID="8c7f8a686deeddaa67bf50c4d10033f6" ns1:_="" ns2:_="" ns3:_="" ns4:_="" ns5:_="">
     <xsd:import namespace="http://schemas.microsoft.com/sharepoint/v3"/>
@@ -37350,43 +37610,43 @@
 </ct:contentTypeSchema>
 </file>
 
-<file path=customXml/item2.xml><?xml version="1.0" encoding="utf-8"?>
-<p:properties xmlns:p="http://schemas.microsoft.com/office/2006/metadata/properties" xmlns:xsi="http://www.w3.org/2001/XMLSchema-instance" xmlns:pc="http://schemas.microsoft.com/office/infopath/2007/PartnerControls">
-  <documentManagement>
-    <MITRE_x0020_Sensitivity xmlns="http://schemas.microsoft.com/sharepoint/v3">Internal MITRE Information</MITRE_x0020_Sensitivity>
-    <SortOrder xmlns="45d44e74-5c87-4253-a1a6-fb7a2a9835a8">5</SortOrder>
-    <_Contributor xmlns="http://schemas.microsoft.com/sharepoint/v3/fields" xsi:nil="true"/>
-    <Release_x0020_Statement xmlns="http://schemas.microsoft.com/sharepoint/v3">For Internal MITRE Use</Release_x0020_Statement>
-    <Site_x0020_Page xmlns="45d44e74-5c87-4253-a1a6-fb7a2a9835a8">
-      <Value>47</Value>
-    </Site_x0020_Page>
-    <Date xmlns="45d44e74-5c87-4253-a1a6-fb7a2a9835a8" xsi:nil="true"/>
-    <IconOverlay xmlns="http://schemas.microsoft.com/sharepoint/v4" xsi:nil="true"/>
-    <DocType xmlns="45d44e74-5c87-4253-a1a6-fb7a2a9835a8">Template</DocType>
-  </documentManagement>
-</p:properties>
+<file path=customXml/itemProps1.xml><?xml version="1.0" encoding="utf-8"?>
+<ds:datastoreItem xmlns:ds="http://schemas.openxmlformats.org/officeDocument/2006/customXml" ds:itemID="{5450FCDD-08B1-48D8-BB50-7A17E590A5EE}">
+  <ds:schemaRefs>
+    <ds:schemaRef ds:uri="http://purl.org/dc/terms/"/>
+    <ds:schemaRef ds:uri="http://schemas.openxmlformats.org/package/2006/metadata/core-properties"/>
+    <ds:schemaRef ds:uri="45d44e74-5c87-4253-a1a6-fb7a2a9835a8"/>
+    <ds:schemaRef ds:uri="http://purl.org/dc/dcmitype/"/>
+    <ds:schemaRef ds:uri="http://schemas.microsoft.com/office/2006/documentManagement/types"/>
+    <ds:schemaRef ds:uri="http://purl.org/dc/elements/1.1/"/>
+    <ds:schemaRef ds:uri="http://schemas.microsoft.com/office/2006/metadata/properties"/>
+    <ds:schemaRef ds:uri="d6dad062-3ecc-4c2a-98eb-3d03c2389ab6"/>
+    <ds:schemaRef ds:uri="http://schemas.microsoft.com/sharepoint/v3"/>
+    <ds:schemaRef ds:uri="http://schemas.microsoft.com/sharepoint/v4"/>
+    <ds:schemaRef ds:uri="http://schemas.microsoft.com/office/infopath/2007/PartnerControls"/>
+    <ds:schemaRef ds:uri="http://schemas.microsoft.com/sharepoint/v3/fields"/>
+    <ds:schemaRef ds:uri="http://www.w3.org/XML/1998/namespace"/>
+  </ds:schemaRefs>
+</ds:datastoreItem>
 </file>
 
-<file path=customXml/item3.xml><?xml version="1.0" encoding="utf-8"?>
-<?mso-contentType ?>
-<customXsn xmlns="http://schemas.microsoft.com/office/2006/metadata/customXsn">
-  <xsnLocation/>
-  <cached>True</cached>
-  <openByDefault>True</openByDefault>
-  <xsnScope/>
-</customXsn>
+<file path=customXml/itemProps2.xml><?xml version="1.0" encoding="utf-8"?>
+<ds:datastoreItem xmlns:ds="http://schemas.openxmlformats.org/officeDocument/2006/customXml" ds:itemID="{416BA5C9-2D71-4B86-AE8A-8C0D9BC5FB22}">
+  <ds:schemaRefs>
+    <ds:schemaRef ds:uri="http://schemas.microsoft.com/sharepoint/v3/contenttype/forms"/>
+  </ds:schemaRefs>
+</ds:datastoreItem>
 </file>
 
-<file path=customXml/item4.xml><?xml version="1.0" encoding="utf-8"?>
-<?mso-contentType ?>
-<FormTemplates xmlns="http://schemas.microsoft.com/sharepoint/v3/contenttype/forms">
-  <Display>DocumentLibraryForm</Display>
-  <Edit>DocumentLibraryForm</Edit>
-  <New>DocumentLibraryForm</New>
-</FormTemplates>
+<file path=customXml/itemProps3.xml><?xml version="1.0" encoding="utf-8"?>
+<ds:datastoreItem xmlns:ds="http://schemas.openxmlformats.org/officeDocument/2006/customXml" ds:itemID="{589A4884-CA84-4BD3-BCA6-39AECD72E50D}">
+  <ds:schemaRefs>
+    <ds:schemaRef ds:uri="http://schemas.microsoft.com/office/2006/metadata/customXsn"/>
+  </ds:schemaRefs>
+</ds:datastoreItem>
 </file>
 
-<file path=customXml/itemProps1.xml><?xml version="1.0" encoding="utf-8"?>
+<file path=customXml/itemProps4.xml><?xml version="1.0" encoding="utf-8"?>
 <ds:datastoreItem xmlns:ds="http://schemas.openxmlformats.org/officeDocument/2006/customXml" ds:itemID="{E3E4C7FE-9143-4635-B164-5CEF7469C30A}">
   <ds:schemaRefs>
     <ds:schemaRef ds:uri="http://schemas.microsoft.com/office/2006/metadata/contentType"/>
@@ -37406,40 +37666,4 @@
     <ds:schemaRef ds:uri="http://schemas.microsoft.com/internal/obd"/>
   </ds:schemaRefs>
 </ds:datastoreItem>
-</file>
-
-<file path=customXml/itemProps2.xml><?xml version="1.0" encoding="utf-8"?>
-<ds:datastoreItem xmlns:ds="http://schemas.openxmlformats.org/officeDocument/2006/customXml" ds:itemID="{5450FCDD-08B1-48D8-BB50-7A17E590A5EE}">
-  <ds:schemaRefs>
-    <ds:schemaRef ds:uri="http://purl.org/dc/terms/"/>
-    <ds:schemaRef ds:uri="http://schemas.openxmlformats.org/package/2006/metadata/core-properties"/>
-    <ds:schemaRef ds:uri="45d44e74-5c87-4253-a1a6-fb7a2a9835a8"/>
-    <ds:schemaRef ds:uri="http://purl.org/dc/dcmitype/"/>
-    <ds:schemaRef ds:uri="http://schemas.microsoft.com/office/2006/documentManagement/types"/>
-    <ds:schemaRef ds:uri="http://purl.org/dc/elements/1.1/"/>
-    <ds:schemaRef ds:uri="http://schemas.microsoft.com/office/2006/metadata/properties"/>
-    <ds:schemaRef ds:uri="d6dad062-3ecc-4c2a-98eb-3d03c2389ab6"/>
-    <ds:schemaRef ds:uri="http://schemas.microsoft.com/sharepoint/v3"/>
-    <ds:schemaRef ds:uri="http://schemas.microsoft.com/sharepoint/v4"/>
-    <ds:schemaRef ds:uri="http://schemas.microsoft.com/office/infopath/2007/PartnerControls"/>
-    <ds:schemaRef ds:uri="http://schemas.microsoft.com/sharepoint/v3/fields"/>
-    <ds:schemaRef ds:uri="http://www.w3.org/XML/1998/namespace"/>
-  </ds:schemaRefs>
-</ds:datastoreItem>
-</file>
-
-<file path=customXml/itemProps3.xml><?xml version="1.0" encoding="utf-8"?>
-<ds:datastoreItem xmlns:ds="http://schemas.openxmlformats.org/officeDocument/2006/customXml" ds:itemID="{589A4884-CA84-4BD3-BCA6-39AECD72E50D}">
-  <ds:schemaRefs>
-    <ds:schemaRef ds:uri="http://schemas.microsoft.com/office/2006/metadata/customXsn"/>
-  </ds:schemaRefs>
-</ds:datastoreItem>
-</file>
-
-<file path=customXml/itemProps4.xml><?xml version="1.0" encoding="utf-8"?>
-<ds:datastoreItem xmlns:ds="http://schemas.openxmlformats.org/officeDocument/2006/customXml" ds:itemID="{416BA5C9-2D71-4B86-AE8A-8C0D9BC5FB22}">
-  <ds:schemaRefs>
-    <ds:schemaRef ds:uri="http://schemas.microsoft.com/sharepoint/v3/contenttype/forms"/>
-  </ds:schemaRefs>
-</ds:datastoreItem>
 </file>